--- a/LU3/Clustering Algorithms Unsupervised ML.pptx
+++ b/LU3/Clustering Algorithms Unsupervised ML.pptx
@@ -21182,8 +21182,21 @@
                   <a:srgbClr val="FFFFFF"/>
                 </a:solidFill>
               </a:rPr>
-              <a:t>. "This point has a 70% chance of being in Cluster A and 30% in Cluster B."</a:t>
+              <a:t>. "This point has a 70% chance of being in Cluster A and 30% in Cluster </a:t>
             </a:r>
+            <a:r>
+              <a:rPr lang="en-US" sz="1300">
+                <a:solidFill>
+                  <a:srgbClr val="FFFFFF"/>
+                </a:solidFill>
+              </a:rPr>
+              <a:t>B.“ </a:t>
+            </a:r>
+            <a:endParaRPr lang="en-US" sz="1300" dirty="0">
+              <a:solidFill>
+                <a:srgbClr val="FFFFFF"/>
+              </a:solidFill>
+            </a:endParaRPr>
           </a:p>
           <a:p>
             <a:r>
